--- a/파이썬 웹크롤러로 나만의 트위터봇 만들기.pptx
+++ b/파이썬 웹크롤러로 나만의 트위터봇 만들기.pptx
@@ -266,7 +266,7 @@
           <a:p>
             <a:fld id="{A964B0BD-417A-49DC-A80C-26A195F24015}" type="datetimeFigureOut">
               <a:rPr lang="ko-KR" altLang="en-US" smtClean="0"/>
-              <a:t>2020-02-15</a:t>
+              <a:t>2020-02-22</a:t>
             </a:fld>
             <a:endParaRPr lang="ko-KR" altLang="en-US"/>
           </a:p>
@@ -436,7 +436,7 @@
           <a:p>
             <a:fld id="{A964B0BD-417A-49DC-A80C-26A195F24015}" type="datetimeFigureOut">
               <a:rPr lang="ko-KR" altLang="en-US" smtClean="0"/>
-              <a:t>2020-02-15</a:t>
+              <a:t>2020-02-22</a:t>
             </a:fld>
             <a:endParaRPr lang="ko-KR" altLang="en-US"/>
           </a:p>
@@ -616,7 +616,7 @@
           <a:p>
             <a:fld id="{A964B0BD-417A-49DC-A80C-26A195F24015}" type="datetimeFigureOut">
               <a:rPr lang="ko-KR" altLang="en-US" smtClean="0"/>
-              <a:t>2020-02-15</a:t>
+              <a:t>2020-02-22</a:t>
             </a:fld>
             <a:endParaRPr lang="ko-KR" altLang="en-US"/>
           </a:p>
@@ -786,7 +786,7 @@
           <a:p>
             <a:fld id="{A964B0BD-417A-49DC-A80C-26A195F24015}" type="datetimeFigureOut">
               <a:rPr lang="ko-KR" altLang="en-US" smtClean="0"/>
-              <a:t>2020-02-15</a:t>
+              <a:t>2020-02-22</a:t>
             </a:fld>
             <a:endParaRPr lang="ko-KR" altLang="en-US"/>
           </a:p>
@@ -1032,7 +1032,7 @@
           <a:p>
             <a:fld id="{A964B0BD-417A-49DC-A80C-26A195F24015}" type="datetimeFigureOut">
               <a:rPr lang="ko-KR" altLang="en-US" smtClean="0"/>
-              <a:t>2020-02-15</a:t>
+              <a:t>2020-02-22</a:t>
             </a:fld>
             <a:endParaRPr lang="ko-KR" altLang="en-US"/>
           </a:p>
@@ -1264,7 +1264,7 @@
           <a:p>
             <a:fld id="{A964B0BD-417A-49DC-A80C-26A195F24015}" type="datetimeFigureOut">
               <a:rPr lang="ko-KR" altLang="en-US" smtClean="0"/>
-              <a:t>2020-02-15</a:t>
+              <a:t>2020-02-22</a:t>
             </a:fld>
             <a:endParaRPr lang="ko-KR" altLang="en-US"/>
           </a:p>
@@ -1631,7 +1631,7 @@
           <a:p>
             <a:fld id="{A964B0BD-417A-49DC-A80C-26A195F24015}" type="datetimeFigureOut">
               <a:rPr lang="ko-KR" altLang="en-US" smtClean="0"/>
-              <a:t>2020-02-15</a:t>
+              <a:t>2020-02-22</a:t>
             </a:fld>
             <a:endParaRPr lang="ko-KR" altLang="en-US"/>
           </a:p>
@@ -1749,7 +1749,7 @@
           <a:p>
             <a:fld id="{A964B0BD-417A-49DC-A80C-26A195F24015}" type="datetimeFigureOut">
               <a:rPr lang="ko-KR" altLang="en-US" smtClean="0"/>
-              <a:t>2020-02-15</a:t>
+              <a:t>2020-02-22</a:t>
             </a:fld>
             <a:endParaRPr lang="ko-KR" altLang="en-US"/>
           </a:p>
@@ -1844,7 +1844,7 @@
           <a:p>
             <a:fld id="{A964B0BD-417A-49DC-A80C-26A195F24015}" type="datetimeFigureOut">
               <a:rPr lang="ko-KR" altLang="en-US" smtClean="0"/>
-              <a:t>2020-02-15</a:t>
+              <a:t>2020-02-22</a:t>
             </a:fld>
             <a:endParaRPr lang="ko-KR" altLang="en-US"/>
           </a:p>
@@ -2121,7 +2121,7 @@
           <a:p>
             <a:fld id="{A964B0BD-417A-49DC-A80C-26A195F24015}" type="datetimeFigureOut">
               <a:rPr lang="ko-KR" altLang="en-US" smtClean="0"/>
-              <a:t>2020-02-15</a:t>
+              <a:t>2020-02-22</a:t>
             </a:fld>
             <a:endParaRPr lang="ko-KR" altLang="en-US"/>
           </a:p>
@@ -2378,7 +2378,7 @@
           <a:p>
             <a:fld id="{A964B0BD-417A-49DC-A80C-26A195F24015}" type="datetimeFigureOut">
               <a:rPr lang="ko-KR" altLang="en-US" smtClean="0"/>
-              <a:t>2020-02-15</a:t>
+              <a:t>2020-02-22</a:t>
             </a:fld>
             <a:endParaRPr lang="ko-KR" altLang="en-US"/>
           </a:p>
@@ -2609,7 +2609,7 @@
           <a:p>
             <a:fld id="{A964B0BD-417A-49DC-A80C-26A195F24015}" type="datetimeFigureOut">
               <a:rPr lang="ko-KR" altLang="en-US" smtClean="0"/>
-              <a:t>2020-02-15</a:t>
+              <a:t>2020-02-22</a:t>
             </a:fld>
             <a:endParaRPr lang="ko-KR" altLang="en-US"/>
           </a:p>
@@ -5752,6 +5752,51 @@
           <a:chExt cx="0" cy="0"/>
         </a:xfrm>
       </p:grpSpPr>
+      <p:sp>
+        <p:nvSpPr>
+          <p:cNvPr id="2" name="TextBox 1">
+            <a:extLst>
+              <a:ext uri="{FF2B5EF4-FFF2-40B4-BE49-F238E27FC236}">
+                <a16:creationId xmlns:a16="http://schemas.microsoft.com/office/drawing/2014/main" id="{D012A1A6-A033-4946-8A93-325A6560D421}"/>
+              </a:ext>
+            </a:extLst>
+          </p:cNvPr>
+          <p:cNvSpPr txBox="1"/>
+          <p:nvPr/>
+        </p:nvSpPr>
+        <p:spPr>
+          <a:xfrm>
+            <a:off x="5000187" y="3244334"/>
+            <a:ext cx="2191626" cy="369332"/>
+          </a:xfrm>
+          <a:prstGeom prst="rect">
+            <a:avLst/>
+          </a:prstGeom>
+          <a:noFill/>
+        </p:spPr>
+        <p:txBody>
+          <a:bodyPr wrap="none" rtlCol="0">
+            <a:spAutoFit/>
+          </a:bodyPr>
+          <a:lstStyle/>
+          <a:p>
+            <a:r>
+              <a:rPr lang="en-US" altLang="ko-KR" dirty="0" err="1">
+                <a:latin typeface="위폰트고딕(OTF) 120" panose="02000700060000000000" pitchFamily="50" charset="-127"/>
+                <a:ea typeface="위폰트고딕(OTF) 120" panose="02000700060000000000" pitchFamily="50" charset="-127"/>
+              </a:rPr>
+              <a:t>api</a:t>
+            </a:r>
+            <a:r>
+              <a:rPr lang="ko-KR" altLang="en-US" dirty="0">
+                <a:latin typeface="위폰트고딕(OTF) 120" panose="02000700060000000000" pitchFamily="50" charset="-127"/>
+                <a:ea typeface="위폰트고딕(OTF) 120" panose="02000700060000000000" pitchFamily="50" charset="-127"/>
+              </a:rPr>
+              <a:t> 이용한 봇 만들기</a:t>
+            </a:r>
+          </a:p>
+        </p:txBody>
+      </p:sp>
     </p:spTree>
     <p:extLst>
       <p:ext uri="{BB962C8B-B14F-4D97-AF65-F5344CB8AC3E}">
@@ -5782,6 +5827,160 @@
           <a:chExt cx="0" cy="0"/>
         </a:xfrm>
       </p:grpSpPr>
+      <p:sp>
+        <p:nvSpPr>
+          <p:cNvPr id="6" name="직사각형 5">
+            <a:extLst>
+              <a:ext uri="{FF2B5EF4-FFF2-40B4-BE49-F238E27FC236}">
+                <a16:creationId xmlns:a16="http://schemas.microsoft.com/office/drawing/2014/main" id="{3250AF91-A456-46DF-BF00-B50837AB3DFE}"/>
+              </a:ext>
+            </a:extLst>
+          </p:cNvPr>
+          <p:cNvSpPr/>
+          <p:nvPr/>
+        </p:nvSpPr>
+        <p:spPr>
+          <a:xfrm>
+            <a:off x="1288475" y="3059668"/>
+            <a:ext cx="2438400" cy="369332"/>
+          </a:xfrm>
+          <a:prstGeom prst="rect">
+            <a:avLst/>
+          </a:prstGeom>
+        </p:spPr>
+        <p:txBody>
+          <a:bodyPr wrap="square">
+            <a:spAutoFit/>
+          </a:bodyPr>
+          <a:lstStyle/>
+          <a:p>
+            <a:r>
+              <a:rPr lang="ko-KR" altLang="en-US" dirty="0">
+                <a:latin typeface="위폰트고딕(OTF) 120" panose="02000700060000000000" pitchFamily="50" charset="-127"/>
+                <a:ea typeface="위폰트고딕(OTF) 120" panose="02000700060000000000" pitchFamily="50" charset="-127"/>
+                <a:hlinkClick r:id="rId2"/>
+              </a:rPr>
+              <a:t>트위터 </a:t>
+            </a:r>
+            <a:r>
+              <a:rPr lang="en-US" altLang="ko-KR" dirty="0" err="1">
+                <a:latin typeface="위폰트고딕(OTF) 120" panose="02000700060000000000" pitchFamily="50" charset="-127"/>
+                <a:ea typeface="위폰트고딕(OTF) 120" panose="02000700060000000000" pitchFamily="50" charset="-127"/>
+                <a:hlinkClick r:id="rId2"/>
+              </a:rPr>
+              <a:t>api</a:t>
+            </a:r>
+            <a:r>
+              <a:rPr lang="ko-KR" altLang="en-US" dirty="0">
+                <a:latin typeface="위폰트고딕(OTF) 120" panose="02000700060000000000" pitchFamily="50" charset="-127"/>
+                <a:ea typeface="위폰트고딕(OTF) 120" panose="02000700060000000000" pitchFamily="50" charset="-127"/>
+                <a:hlinkClick r:id="rId2"/>
+              </a:rPr>
+              <a:t>키 발급받기</a:t>
+            </a:r>
+            <a:endParaRPr lang="ko-KR" altLang="en-US" dirty="0">
+              <a:latin typeface="위폰트고딕(OTF) 120" panose="02000700060000000000" pitchFamily="50" charset="-127"/>
+              <a:ea typeface="위폰트고딕(OTF) 120" panose="02000700060000000000" pitchFamily="50" charset="-127"/>
+            </a:endParaRPr>
+          </a:p>
+        </p:txBody>
+      </p:sp>
+      <p:sp>
+        <p:nvSpPr>
+          <p:cNvPr id="7" name="TextBox 6">
+            <a:extLst>
+              <a:ext uri="{FF2B5EF4-FFF2-40B4-BE49-F238E27FC236}">
+                <a16:creationId xmlns:a16="http://schemas.microsoft.com/office/drawing/2014/main" id="{BEDAA5B1-70F5-471C-8913-DD61FF74CD1D}"/>
+              </a:ext>
+            </a:extLst>
+          </p:cNvPr>
+          <p:cNvSpPr txBox="1"/>
+          <p:nvPr/>
+        </p:nvSpPr>
+        <p:spPr>
+          <a:xfrm>
+            <a:off x="1288475" y="964277"/>
+            <a:ext cx="1034257" cy="369332"/>
+          </a:xfrm>
+          <a:prstGeom prst="rect">
+            <a:avLst/>
+          </a:prstGeom>
+          <a:noFill/>
+        </p:spPr>
+        <p:txBody>
+          <a:bodyPr wrap="none" rtlCol="0">
+            <a:spAutoFit/>
+          </a:bodyPr>
+          <a:lstStyle/>
+          <a:p>
+            <a:r>
+              <a:rPr lang="ko-KR" altLang="en-US" dirty="0">
+                <a:latin typeface="위폰트고딕(OTF) 120" panose="02000700060000000000" pitchFamily="50" charset="-127"/>
+                <a:ea typeface="위폰트고딕(OTF) 120" panose="02000700060000000000" pitchFamily="50" charset="-127"/>
+              </a:rPr>
+              <a:t>사전준비</a:t>
+            </a:r>
+          </a:p>
+        </p:txBody>
+      </p:sp>
+      <p:sp>
+        <p:nvSpPr>
+          <p:cNvPr id="8" name="직사각형 7">
+            <a:extLst>
+              <a:ext uri="{FF2B5EF4-FFF2-40B4-BE49-F238E27FC236}">
+                <a16:creationId xmlns:a16="http://schemas.microsoft.com/office/drawing/2014/main" id="{96AB55A5-BD12-45ED-AE5B-16EA5A8D353E}"/>
+              </a:ext>
+            </a:extLst>
+          </p:cNvPr>
+          <p:cNvSpPr/>
+          <p:nvPr/>
+        </p:nvSpPr>
+        <p:spPr>
+          <a:xfrm>
+            <a:off x="1288474" y="3443039"/>
+            <a:ext cx="3649285" cy="369332"/>
+          </a:xfrm>
+          <a:prstGeom prst="rect">
+            <a:avLst/>
+          </a:prstGeom>
+        </p:spPr>
+        <p:txBody>
+          <a:bodyPr wrap="square">
+            <a:spAutoFit/>
+          </a:bodyPr>
+          <a:lstStyle/>
+          <a:p>
+            <a:r>
+              <a:rPr lang="ko-KR" altLang="en-US" dirty="0">
+                <a:latin typeface="위폰트고딕(OTF) 120" panose="02000700060000000000" pitchFamily="50" charset="-127"/>
+                <a:ea typeface="위폰트고딕(OTF) 120" panose="02000700060000000000" pitchFamily="50" charset="-127"/>
+                <a:hlinkClick r:id="rId3"/>
+              </a:rPr>
+              <a:t>티스토리 </a:t>
+            </a:r>
+            <a:r>
+              <a:rPr lang="en-US" altLang="ko-KR" dirty="0" err="1">
+                <a:latin typeface="위폰트고딕(OTF) 120" panose="02000700060000000000" pitchFamily="50" charset="-127"/>
+                <a:ea typeface="위폰트고딕(OTF) 120" panose="02000700060000000000" pitchFamily="50" charset="-127"/>
+                <a:hlinkClick r:id="rId3"/>
+              </a:rPr>
+              <a:t>api</a:t>
+            </a:r>
+            <a:r>
+              <a:rPr lang="ko-KR" altLang="en-US" dirty="0">
+                <a:latin typeface="위폰트고딕(OTF) 120" panose="02000700060000000000" pitchFamily="50" charset="-127"/>
+                <a:ea typeface="위폰트고딕(OTF) 120" panose="02000700060000000000" pitchFamily="50" charset="-127"/>
+                <a:hlinkClick r:id="rId3"/>
+              </a:rPr>
+              <a:t>키 발급받기</a:t>
+            </a:r>
+            <a:endParaRPr lang="ko-KR" altLang="en-US" dirty="0">
+              <a:latin typeface="위폰트고딕(OTF) 120" panose="02000700060000000000" pitchFamily="50" charset="-127"/>
+              <a:ea typeface="위폰트고딕(OTF) 120" panose="02000700060000000000" pitchFamily="50" charset="-127"/>
+            </a:endParaRPr>
+          </a:p>
+        </p:txBody>
+      </p:sp>
     </p:spTree>
     <p:extLst>
       <p:ext uri="{BB962C8B-B14F-4D97-AF65-F5344CB8AC3E}">

--- a/파이썬 웹크롤러로 나만의 트위터봇 만들기.pptx
+++ b/파이썬 웹크롤러로 나만의 트위터봇 만들기.pptx
@@ -266,7 +266,7 @@
           <a:p>
             <a:fld id="{A964B0BD-417A-49DC-A80C-26A195F24015}" type="datetimeFigureOut">
               <a:rPr lang="ko-KR" altLang="en-US" smtClean="0"/>
-              <a:t>2020-02-22</a:t>
+              <a:t>2020-02-25</a:t>
             </a:fld>
             <a:endParaRPr lang="ko-KR" altLang="en-US"/>
           </a:p>
@@ -436,7 +436,7 @@
           <a:p>
             <a:fld id="{A964B0BD-417A-49DC-A80C-26A195F24015}" type="datetimeFigureOut">
               <a:rPr lang="ko-KR" altLang="en-US" smtClean="0"/>
-              <a:t>2020-02-22</a:t>
+              <a:t>2020-02-25</a:t>
             </a:fld>
             <a:endParaRPr lang="ko-KR" altLang="en-US"/>
           </a:p>
@@ -616,7 +616,7 @@
           <a:p>
             <a:fld id="{A964B0BD-417A-49DC-A80C-26A195F24015}" type="datetimeFigureOut">
               <a:rPr lang="ko-KR" altLang="en-US" smtClean="0"/>
-              <a:t>2020-02-22</a:t>
+              <a:t>2020-02-25</a:t>
             </a:fld>
             <a:endParaRPr lang="ko-KR" altLang="en-US"/>
           </a:p>
@@ -786,7 +786,7 @@
           <a:p>
             <a:fld id="{A964B0BD-417A-49DC-A80C-26A195F24015}" type="datetimeFigureOut">
               <a:rPr lang="ko-KR" altLang="en-US" smtClean="0"/>
-              <a:t>2020-02-22</a:t>
+              <a:t>2020-02-25</a:t>
             </a:fld>
             <a:endParaRPr lang="ko-KR" altLang="en-US"/>
           </a:p>
@@ -1032,7 +1032,7 @@
           <a:p>
             <a:fld id="{A964B0BD-417A-49DC-A80C-26A195F24015}" type="datetimeFigureOut">
               <a:rPr lang="ko-KR" altLang="en-US" smtClean="0"/>
-              <a:t>2020-02-22</a:t>
+              <a:t>2020-02-25</a:t>
             </a:fld>
             <a:endParaRPr lang="ko-KR" altLang="en-US"/>
           </a:p>
@@ -1264,7 +1264,7 @@
           <a:p>
             <a:fld id="{A964B0BD-417A-49DC-A80C-26A195F24015}" type="datetimeFigureOut">
               <a:rPr lang="ko-KR" altLang="en-US" smtClean="0"/>
-              <a:t>2020-02-22</a:t>
+              <a:t>2020-02-25</a:t>
             </a:fld>
             <a:endParaRPr lang="ko-KR" altLang="en-US"/>
           </a:p>
@@ -1631,7 +1631,7 @@
           <a:p>
             <a:fld id="{A964B0BD-417A-49DC-A80C-26A195F24015}" type="datetimeFigureOut">
               <a:rPr lang="ko-KR" altLang="en-US" smtClean="0"/>
-              <a:t>2020-02-22</a:t>
+              <a:t>2020-02-25</a:t>
             </a:fld>
             <a:endParaRPr lang="ko-KR" altLang="en-US"/>
           </a:p>
@@ -1749,7 +1749,7 @@
           <a:p>
             <a:fld id="{A964B0BD-417A-49DC-A80C-26A195F24015}" type="datetimeFigureOut">
               <a:rPr lang="ko-KR" altLang="en-US" smtClean="0"/>
-              <a:t>2020-02-22</a:t>
+              <a:t>2020-02-25</a:t>
             </a:fld>
             <a:endParaRPr lang="ko-KR" altLang="en-US"/>
           </a:p>
@@ -1844,7 +1844,7 @@
           <a:p>
             <a:fld id="{A964B0BD-417A-49DC-A80C-26A195F24015}" type="datetimeFigureOut">
               <a:rPr lang="ko-KR" altLang="en-US" smtClean="0"/>
-              <a:t>2020-02-22</a:t>
+              <a:t>2020-02-25</a:t>
             </a:fld>
             <a:endParaRPr lang="ko-KR" altLang="en-US"/>
           </a:p>
@@ -2121,7 +2121,7 @@
           <a:p>
             <a:fld id="{A964B0BD-417A-49DC-A80C-26A195F24015}" type="datetimeFigureOut">
               <a:rPr lang="ko-KR" altLang="en-US" smtClean="0"/>
-              <a:t>2020-02-22</a:t>
+              <a:t>2020-02-25</a:t>
             </a:fld>
             <a:endParaRPr lang="ko-KR" altLang="en-US"/>
           </a:p>
@@ -2378,7 +2378,7 @@
           <a:p>
             <a:fld id="{A964B0BD-417A-49DC-A80C-26A195F24015}" type="datetimeFigureOut">
               <a:rPr lang="ko-KR" altLang="en-US" smtClean="0"/>
-              <a:t>2020-02-22</a:t>
+              <a:t>2020-02-25</a:t>
             </a:fld>
             <a:endParaRPr lang="ko-KR" altLang="en-US"/>
           </a:p>
@@ -2609,7 +2609,7 @@
           <a:p>
             <a:fld id="{A964B0BD-417A-49DC-A80C-26A195F24015}" type="datetimeFigureOut">
               <a:rPr lang="ko-KR" altLang="en-US" smtClean="0"/>
-              <a:t>2020-02-22</a:t>
+              <a:t>2020-02-25</a:t>
             </a:fld>
             <a:endParaRPr lang="ko-KR" altLang="en-US"/>
           </a:p>
@@ -6011,6 +6011,191 @@
           <a:chExt cx="0" cy="0"/>
         </a:xfrm>
       </p:grpSpPr>
+      <p:sp>
+        <p:nvSpPr>
+          <p:cNvPr id="2" name="직사각형 1">
+            <a:extLst>
+              <a:ext uri="{FF2B5EF4-FFF2-40B4-BE49-F238E27FC236}">
+                <a16:creationId xmlns:a16="http://schemas.microsoft.com/office/drawing/2014/main" id="{5A074118-D24D-4BB3-A102-28E0706E1FF9}"/>
+              </a:ext>
+            </a:extLst>
+          </p:cNvPr>
+          <p:cNvSpPr/>
+          <p:nvPr/>
+        </p:nvSpPr>
+        <p:spPr>
+          <a:xfrm>
+            <a:off x="1288475" y="4431962"/>
+            <a:ext cx="492443" cy="276999"/>
+          </a:xfrm>
+          <a:prstGeom prst="rect">
+            <a:avLst/>
+          </a:prstGeom>
+        </p:spPr>
+        <p:txBody>
+          <a:bodyPr wrap="none">
+            <a:spAutoFit/>
+          </a:bodyPr>
+          <a:lstStyle/>
+          <a:p>
+            <a:r>
+              <a:rPr lang="ko-KR" altLang="en-US" sz="1200" dirty="0">
+                <a:hlinkClick r:id="rId2"/>
+              </a:rPr>
+              <a:t>참고</a:t>
+            </a:r>
+            <a:endParaRPr lang="ko-KR" altLang="en-US" sz="1200" dirty="0"/>
+          </a:p>
+        </p:txBody>
+      </p:sp>
+      <p:sp>
+        <p:nvSpPr>
+          <p:cNvPr id="3" name="TextBox 2">
+            <a:extLst>
+              <a:ext uri="{FF2B5EF4-FFF2-40B4-BE49-F238E27FC236}">
+                <a16:creationId xmlns:a16="http://schemas.microsoft.com/office/drawing/2014/main" id="{E086D2E0-B811-4CAE-99FB-5C347DE8E99C}"/>
+              </a:ext>
+            </a:extLst>
+          </p:cNvPr>
+          <p:cNvSpPr txBox="1"/>
+          <p:nvPr/>
+        </p:nvSpPr>
+        <p:spPr>
+          <a:xfrm>
+            <a:off x="1288475" y="964277"/>
+            <a:ext cx="994247" cy="369332"/>
+          </a:xfrm>
+          <a:prstGeom prst="rect">
+            <a:avLst/>
+          </a:prstGeom>
+          <a:noFill/>
+        </p:spPr>
+        <p:txBody>
+          <a:bodyPr wrap="none" rtlCol="0">
+            <a:spAutoFit/>
+          </a:bodyPr>
+          <a:lstStyle/>
+          <a:p>
+            <a:r>
+              <a:rPr lang="en-US" altLang="ko-KR" dirty="0" err="1">
+                <a:latin typeface="위폰트고딕(OTF) 120" panose="02000700060000000000" pitchFamily="50" charset="-127"/>
+                <a:ea typeface="위폰트고딕(OTF) 120" panose="02000700060000000000" pitchFamily="50" charset="-127"/>
+              </a:rPr>
+              <a:t>Tweepy</a:t>
+            </a:r>
+            <a:endParaRPr lang="ko-KR" altLang="en-US" dirty="0">
+              <a:latin typeface="위폰트고딕(OTF) 120" panose="02000700060000000000" pitchFamily="50" charset="-127"/>
+              <a:ea typeface="위폰트고딕(OTF) 120" panose="02000700060000000000" pitchFamily="50" charset="-127"/>
+            </a:endParaRPr>
+          </a:p>
+        </p:txBody>
+      </p:sp>
+      <p:pic>
+        <p:nvPicPr>
+          <p:cNvPr id="7" name="그림 6" descr="스크린샷이(가) 표시된 사진&#10;&#10;자동 생성된 설명">
+            <a:extLst>
+              <a:ext uri="{FF2B5EF4-FFF2-40B4-BE49-F238E27FC236}">
+                <a16:creationId xmlns:a16="http://schemas.microsoft.com/office/drawing/2014/main" id="{2E4B204E-F514-48C2-80C9-09C26093AA92}"/>
+              </a:ext>
+            </a:extLst>
+          </p:cNvPr>
+          <p:cNvPicPr>
+            <a:picLocks noChangeAspect="1"/>
+          </p:cNvPicPr>
+          <p:nvPr/>
+        </p:nvPicPr>
+        <p:blipFill>
+          <a:blip r:embed="rId3">
+            <a:extLst>
+              <a:ext uri="{28A0092B-C50C-407E-A947-70E740481C1C}">
+                <a14:useLocalDpi xmlns:a14="http://schemas.microsoft.com/office/drawing/2010/main" val="0"/>
+              </a:ext>
+            </a:extLst>
+          </a:blip>
+          <a:stretch>
+            <a:fillRect/>
+          </a:stretch>
+        </p:blipFill>
+        <p:spPr>
+          <a:xfrm>
+            <a:off x="6929388" y="0"/>
+            <a:ext cx="5262612" cy="6858000"/>
+          </a:xfrm>
+          <a:prstGeom prst="rect">
+            <a:avLst/>
+          </a:prstGeom>
+        </p:spPr>
+      </p:pic>
+      <p:sp>
+        <p:nvSpPr>
+          <p:cNvPr id="8" name="TextBox 7">
+            <a:extLst>
+              <a:ext uri="{FF2B5EF4-FFF2-40B4-BE49-F238E27FC236}">
+                <a16:creationId xmlns:a16="http://schemas.microsoft.com/office/drawing/2014/main" id="{84032B02-E3D0-4501-9DE1-35385A9153F4}"/>
+              </a:ext>
+            </a:extLst>
+          </p:cNvPr>
+          <p:cNvSpPr txBox="1"/>
+          <p:nvPr/>
+        </p:nvSpPr>
+        <p:spPr>
+          <a:xfrm>
+            <a:off x="1283794" y="3804681"/>
+            <a:ext cx="2007665" cy="369332"/>
+          </a:xfrm>
+          <a:prstGeom prst="rect">
+            <a:avLst/>
+          </a:prstGeom>
+          <a:noFill/>
+        </p:spPr>
+        <p:txBody>
+          <a:bodyPr wrap="none" rtlCol="0">
+            <a:spAutoFit/>
+          </a:bodyPr>
+          <a:lstStyle/>
+          <a:p>
+            <a:r>
+              <a:rPr lang="en-US" altLang="ko-KR" dirty="0">
+                <a:latin typeface="위폰트고딕(OTF) 120" panose="02000700060000000000" pitchFamily="50" charset="-127"/>
+                <a:ea typeface="위폰트고딕(OTF) 120" panose="02000700060000000000" pitchFamily="50" charset="-127"/>
+              </a:rPr>
+              <a:t>Pip</a:t>
+            </a:r>
+            <a:r>
+              <a:rPr lang="ko-KR" altLang="en-US" dirty="0">
+                <a:latin typeface="위폰트고딕(OTF) 120" panose="02000700060000000000" pitchFamily="50" charset="-127"/>
+                <a:ea typeface="위폰트고딕(OTF) 120" panose="02000700060000000000" pitchFamily="50" charset="-127"/>
+              </a:rPr>
+              <a:t> </a:t>
+            </a:r>
+            <a:r>
+              <a:rPr lang="en-US" altLang="ko-KR" dirty="0">
+                <a:latin typeface="위폰트고딕(OTF) 120" panose="02000700060000000000" pitchFamily="50" charset="-127"/>
+                <a:ea typeface="위폰트고딕(OTF) 120" panose="02000700060000000000" pitchFamily="50" charset="-127"/>
+              </a:rPr>
+              <a:t>install</a:t>
+            </a:r>
+            <a:r>
+              <a:rPr lang="ko-KR" altLang="en-US" dirty="0">
+                <a:latin typeface="위폰트고딕(OTF) 120" panose="02000700060000000000" pitchFamily="50" charset="-127"/>
+                <a:ea typeface="위폰트고딕(OTF) 120" panose="02000700060000000000" pitchFamily="50" charset="-127"/>
+              </a:rPr>
+              <a:t> </a:t>
+            </a:r>
+            <a:r>
+              <a:rPr lang="en-US" altLang="ko-KR" dirty="0" err="1">
+                <a:latin typeface="위폰트고딕(OTF) 120" panose="02000700060000000000" pitchFamily="50" charset="-127"/>
+                <a:ea typeface="위폰트고딕(OTF) 120" panose="02000700060000000000" pitchFamily="50" charset="-127"/>
+              </a:rPr>
+              <a:t>tweepy</a:t>
+            </a:r>
+            <a:endParaRPr lang="ko-KR" altLang="en-US" dirty="0">
+              <a:latin typeface="위폰트고딕(OTF) 120" panose="02000700060000000000" pitchFamily="50" charset="-127"/>
+              <a:ea typeface="위폰트고딕(OTF) 120" panose="02000700060000000000" pitchFamily="50" charset="-127"/>
+            </a:endParaRPr>
+          </a:p>
+        </p:txBody>
+      </p:sp>
     </p:spTree>
     <p:extLst>
       <p:ext uri="{BB962C8B-B14F-4D97-AF65-F5344CB8AC3E}">
@@ -6041,6 +6226,128 @@
           <a:chExt cx="0" cy="0"/>
         </a:xfrm>
       </p:grpSpPr>
+      <p:sp>
+        <p:nvSpPr>
+          <p:cNvPr id="2" name="TextBox 1">
+            <a:extLst>
+              <a:ext uri="{FF2B5EF4-FFF2-40B4-BE49-F238E27FC236}">
+                <a16:creationId xmlns:a16="http://schemas.microsoft.com/office/drawing/2014/main" id="{84FB2646-2328-4758-82DB-45289C2B7623}"/>
+              </a:ext>
+            </a:extLst>
+          </p:cNvPr>
+          <p:cNvSpPr txBox="1"/>
+          <p:nvPr/>
+        </p:nvSpPr>
+        <p:spPr>
+          <a:xfrm>
+            <a:off x="1288475" y="964277"/>
+            <a:ext cx="1318631" cy="369332"/>
+          </a:xfrm>
+          <a:prstGeom prst="rect">
+            <a:avLst/>
+          </a:prstGeom>
+          <a:noFill/>
+        </p:spPr>
+        <p:txBody>
+          <a:bodyPr wrap="none" rtlCol="0">
+            <a:spAutoFit/>
+          </a:bodyPr>
+          <a:lstStyle/>
+          <a:p>
+            <a:r>
+              <a:rPr lang="en-US" altLang="ko-KR" dirty="0" err="1">
+                <a:latin typeface="위폰트고딕(OTF) 120" panose="02000700060000000000" pitchFamily="50" charset="-127"/>
+                <a:ea typeface="위폰트고딕(OTF) 120" panose="02000700060000000000" pitchFamily="50" charset="-127"/>
+              </a:rPr>
+              <a:t>Tistory</a:t>
+            </a:r>
+            <a:r>
+              <a:rPr lang="en-US" altLang="ko-KR" dirty="0">
+                <a:latin typeface="위폰트고딕(OTF) 120" panose="02000700060000000000" pitchFamily="50" charset="-127"/>
+                <a:ea typeface="위폰트고딕(OTF) 120" panose="02000700060000000000" pitchFamily="50" charset="-127"/>
+              </a:rPr>
+              <a:t> API</a:t>
+            </a:r>
+            <a:endParaRPr lang="ko-KR" altLang="en-US" dirty="0">
+              <a:latin typeface="위폰트고딕(OTF) 120" panose="02000700060000000000" pitchFamily="50" charset="-127"/>
+              <a:ea typeface="위폰트고딕(OTF) 120" panose="02000700060000000000" pitchFamily="50" charset="-127"/>
+            </a:endParaRPr>
+          </a:p>
+        </p:txBody>
+      </p:sp>
+      <p:pic>
+        <p:nvPicPr>
+          <p:cNvPr id="4" name="그림 3" descr="스크린샷이(가) 표시된 사진&#10;&#10;자동 생성된 설명">
+            <a:extLst>
+              <a:ext uri="{FF2B5EF4-FFF2-40B4-BE49-F238E27FC236}">
+                <a16:creationId xmlns:a16="http://schemas.microsoft.com/office/drawing/2014/main" id="{815C65F4-7A72-4E52-A2D5-241426B70532}"/>
+              </a:ext>
+            </a:extLst>
+          </p:cNvPr>
+          <p:cNvPicPr>
+            <a:picLocks noChangeAspect="1"/>
+          </p:cNvPicPr>
+          <p:nvPr/>
+        </p:nvPicPr>
+        <p:blipFill>
+          <a:blip r:embed="rId2">
+            <a:extLst>
+              <a:ext uri="{28A0092B-C50C-407E-A947-70E740481C1C}">
+                <a14:useLocalDpi xmlns:a14="http://schemas.microsoft.com/office/drawing/2010/main" val="0"/>
+              </a:ext>
+            </a:extLst>
+          </a:blip>
+          <a:stretch>
+            <a:fillRect/>
+          </a:stretch>
+        </p:blipFill>
+        <p:spPr>
+          <a:xfrm>
+            <a:off x="6477000" y="0"/>
+            <a:ext cx="5715000" cy="6858000"/>
+          </a:xfrm>
+          <a:prstGeom prst="rect">
+            <a:avLst/>
+          </a:prstGeom>
+        </p:spPr>
+      </p:pic>
+      <p:sp>
+        <p:nvSpPr>
+          <p:cNvPr id="5" name="직사각형 4">
+            <a:extLst>
+              <a:ext uri="{FF2B5EF4-FFF2-40B4-BE49-F238E27FC236}">
+                <a16:creationId xmlns:a16="http://schemas.microsoft.com/office/drawing/2014/main" id="{60432F94-9CA6-4FF1-A0D7-F2391844E288}"/>
+              </a:ext>
+            </a:extLst>
+          </p:cNvPr>
+          <p:cNvSpPr/>
+          <p:nvPr/>
+        </p:nvSpPr>
+        <p:spPr>
+          <a:xfrm>
+            <a:off x="1288475" y="2737345"/>
+            <a:ext cx="6096000" cy="369332"/>
+          </a:xfrm>
+          <a:prstGeom prst="rect">
+            <a:avLst/>
+          </a:prstGeom>
+        </p:spPr>
+        <p:txBody>
+          <a:bodyPr>
+            <a:spAutoFit/>
+          </a:bodyPr>
+          <a:lstStyle/>
+          <a:p>
+            <a:r>
+              <a:rPr lang="ko-KR" altLang="en-US" dirty="0">
+                <a:hlinkClick r:id="rId3"/>
+              </a:rPr>
+              <a:t>참고</a:t>
+            </a:r>
+            <a:endParaRPr lang="ko-KR" altLang="en-US" dirty="0"/>
+          </a:p>
+        </p:txBody>
+      </p:sp>
     </p:spTree>
     <p:extLst>
       <p:ext uri="{BB962C8B-B14F-4D97-AF65-F5344CB8AC3E}">
